--- a/HighThroughput.pptx
+++ b/HighThroughput.pptx
@@ -226,7 +226,7 @@
           <a:p>
             <a:fld id="{23AD794A-17F4-48F7-A14F-39DCAE091952}" type="datetimeFigureOut">
               <a:rPr lang="en-US" smtClean="0"/>
-              <a:t>5/19/2025</a:t>
+              <a:t>5/30/2025</a:t>
             </a:fld>
             <a:endParaRPr lang="en-US" dirty="0"/>
           </a:p>
@@ -391,7 +391,7 @@
           <a:p>
             <a:fld id="{594C6A87-CC60-415C-BFEE-13D1CAD6861A}" type="datetimeFigureOut">
               <a:rPr lang="en-US" smtClean="0"/>
-              <a:t>5/19/2025</a:t>
+              <a:t>5/30/2025</a:t>
             </a:fld>
             <a:endParaRPr lang="en-US" dirty="0"/>
           </a:p>
@@ -24411,14 +24411,7 @@
                 <a:latin typeface="Arial" panose="020B0604020202020204" pitchFamily="34" charset="0"/>
                 <a:cs typeface="Arial" panose="020B0604020202020204" pitchFamily="34" charset="0"/>
               </a:rPr>
-              <a:t>30</a:t>
-            </a:r>
-            <a:r>
-              <a:rPr lang="en-US" sz="2000" b="1" dirty="0" smtClean="0">
-                <a:latin typeface="Arial" panose="020B0604020202020204" pitchFamily="34" charset="0"/>
-                <a:cs typeface="Arial" panose="020B0604020202020204" pitchFamily="34" charset="0"/>
-              </a:rPr>
-              <a:t> May 2025</a:t>
+              <a:t>30 May 2025</a:t>
             </a:r>
             <a:endParaRPr lang="en-US" sz="2000" b="1" dirty="0">
               <a:latin typeface="Arial" panose="020B0604020202020204" pitchFamily="34" charset="0"/>
@@ -28537,15 +28530,7 @@
           <a:p>
             <a:r>
               <a:rPr lang="en-US" sz="2000" dirty="0"/>
-              <a:t>Computes the </a:t>
-            </a:r>
-            <a:r>
-              <a:rPr lang="en-US" sz="2000" b="1" dirty="0"/>
-              <a:t>Fiedler vector</a:t>
-            </a:r>
-            <a:r>
-              <a:rPr lang="en-US" sz="2000" dirty="0"/>
-              <a:t> (2nd smallest eigenvector)</a:t>
+              <a:t>Computes the Fiedler vector (2nd smallest eigenvector)</a:t>
             </a:r>
           </a:p>
           <a:p>
@@ -29129,7 +29114,6 @@
               <a:rPr lang="en-US" sz="1600" dirty="0"/>
               <a:t>?</a:t>
             </a:r>
-            <a:endParaRPr lang="en-US" sz="1600" dirty="0"/>
           </a:p>
         </p:txBody>
       </p:sp>
